--- a/Calendario2022/Presentaciones/8_RedesInalambricas.pptx
+++ b/Calendario2022/Presentaciones/8_RedesInalambricas.pptx
@@ -226,7 +226,7 @@
           <a:p>
             <a:fld id="{CFD15F0F-6D28-499C-8425-A9347399C9A5}" type="datetimeFigureOut">
               <a:rPr lang="es-MX" smtClean="0"/>
-              <a:t>18/05/2022</a:t>
+              <a:t>19/05/2022</a:t>
             </a:fld>
             <a:endParaRPr lang="es-MX" dirty="0"/>
           </a:p>
@@ -391,7 +391,7 @@
           <a:p>
             <a:fld id="{2D445F07-8756-451B-A938-0248325FC7BB}" type="datetimeFigureOut">
               <a:rPr lang="es-MX" smtClean="0"/>
-              <a:t>18/05/2022</a:t>
+              <a:t>19/05/2022</a:t>
             </a:fld>
             <a:endParaRPr lang="es-MX" dirty="0"/>
           </a:p>
@@ -1686,7 +1686,7 @@
           <a:p>
             <a:fld id="{5E75A0DC-66C6-4CEC-A5EB-F8C97CEC3796}" type="datetimeFigureOut">
               <a:rPr lang="es-MX" smtClean="0"/>
-              <a:t>18/05/2022</a:t>
+              <a:t>19/05/2022</a:t>
             </a:fld>
             <a:endParaRPr lang="es-MX" dirty="0"/>
           </a:p>
@@ -1856,7 +1856,7 @@
           <a:p>
             <a:fld id="{5E75A0DC-66C6-4CEC-A5EB-F8C97CEC3796}" type="datetimeFigureOut">
               <a:rPr lang="es-MX" smtClean="0"/>
-              <a:t>18/05/2022</a:t>
+              <a:t>19/05/2022</a:t>
             </a:fld>
             <a:endParaRPr lang="es-MX" dirty="0"/>
           </a:p>
@@ -2036,7 +2036,7 @@
           <a:p>
             <a:fld id="{5E75A0DC-66C6-4CEC-A5EB-F8C97CEC3796}" type="datetimeFigureOut">
               <a:rPr lang="es-MX" smtClean="0"/>
-              <a:t>18/05/2022</a:t>
+              <a:t>19/05/2022</a:t>
             </a:fld>
             <a:endParaRPr lang="es-MX" dirty="0"/>
           </a:p>
@@ -2511,7 +2511,7 @@
           <a:p>
             <a:fld id="{5E75A0DC-66C6-4CEC-A5EB-F8C97CEC3796}" type="datetimeFigureOut">
               <a:rPr lang="es-MX" smtClean="0"/>
-              <a:t>18/05/2022</a:t>
+              <a:t>19/05/2022</a:t>
             </a:fld>
             <a:endParaRPr lang="es-MX" dirty="0"/>
           </a:p>
@@ -2757,7 +2757,7 @@
           <a:p>
             <a:fld id="{5E75A0DC-66C6-4CEC-A5EB-F8C97CEC3796}" type="datetimeFigureOut">
               <a:rPr lang="es-MX" smtClean="0"/>
-              <a:t>18/05/2022</a:t>
+              <a:t>19/05/2022</a:t>
             </a:fld>
             <a:endParaRPr lang="es-MX" dirty="0"/>
           </a:p>
@@ -3045,7 +3045,7 @@
           <a:p>
             <a:fld id="{5E75A0DC-66C6-4CEC-A5EB-F8C97CEC3796}" type="datetimeFigureOut">
               <a:rPr lang="es-MX" smtClean="0"/>
-              <a:t>18/05/2022</a:t>
+              <a:t>19/05/2022</a:t>
             </a:fld>
             <a:endParaRPr lang="es-MX" dirty="0"/>
           </a:p>
@@ -3467,7 +3467,7 @@
           <a:p>
             <a:fld id="{5E75A0DC-66C6-4CEC-A5EB-F8C97CEC3796}" type="datetimeFigureOut">
               <a:rPr lang="es-MX" smtClean="0"/>
-              <a:t>18/05/2022</a:t>
+              <a:t>19/05/2022</a:t>
             </a:fld>
             <a:endParaRPr lang="es-MX" dirty="0"/>
           </a:p>
@@ -3585,7 +3585,7 @@
           <a:p>
             <a:fld id="{5E75A0DC-66C6-4CEC-A5EB-F8C97CEC3796}" type="datetimeFigureOut">
               <a:rPr lang="es-MX" smtClean="0"/>
-              <a:t>18/05/2022</a:t>
+              <a:t>19/05/2022</a:t>
             </a:fld>
             <a:endParaRPr lang="es-MX" dirty="0"/>
           </a:p>
@@ -3680,7 +3680,7 @@
           <a:p>
             <a:fld id="{5E75A0DC-66C6-4CEC-A5EB-F8C97CEC3796}" type="datetimeFigureOut">
               <a:rPr lang="es-MX" smtClean="0"/>
-              <a:t>18/05/2022</a:t>
+              <a:t>19/05/2022</a:t>
             </a:fld>
             <a:endParaRPr lang="es-MX" dirty="0"/>
           </a:p>
@@ -3957,7 +3957,7 @@
           <a:p>
             <a:fld id="{5E75A0DC-66C6-4CEC-A5EB-F8C97CEC3796}" type="datetimeFigureOut">
               <a:rPr lang="es-MX" smtClean="0"/>
-              <a:t>18/05/2022</a:t>
+              <a:t>19/05/2022</a:t>
             </a:fld>
             <a:endParaRPr lang="es-MX" dirty="0"/>
           </a:p>
@@ -4210,7 +4210,7 @@
           <a:p>
             <a:fld id="{5E75A0DC-66C6-4CEC-A5EB-F8C97CEC3796}" type="datetimeFigureOut">
               <a:rPr lang="es-MX" smtClean="0"/>
-              <a:t>18/05/2022</a:t>
+              <a:t>19/05/2022</a:t>
             </a:fld>
             <a:endParaRPr lang="es-MX" dirty="0"/>
           </a:p>
@@ -4423,7 +4423,7 @@
           <a:p>
             <a:fld id="{5E75A0DC-66C6-4CEC-A5EB-F8C97CEC3796}" type="datetimeFigureOut">
               <a:rPr lang="es-MX" smtClean="0"/>
-              <a:t>18/05/2022</a:t>
+              <a:t>19/05/2022</a:t>
             </a:fld>
             <a:endParaRPr lang="es-MX" dirty="0"/>
           </a:p>
